--- a/docs/presentation/Technologie-Evaluation Deliverable.pptx
+++ b/docs/presentation/Technologie-Evaluation Deliverable.pptx
@@ -542,7 +542,6 @@
           </a:p>
         </c:rich>
       </c:tx>
-      <c:layout/>
       <c:overlay val="0"/>
       <c:spPr>
         <a:noFill/>
@@ -786,7 +785,6 @@
     </c:plotArea>
     <c:legend>
       <c:legendPos val="b"/>
-      <c:layout/>
       <c:overlay val="0"/>
       <c:spPr>
         <a:noFill/>
@@ -895,7 +893,6 @@
           </a:p>
         </c:rich>
       </c:tx>
-      <c:layout/>
       <c:overlay val="0"/>
       <c:spPr>
         <a:noFill/>
@@ -1139,7 +1136,6 @@
     </c:plotArea>
     <c:legend>
       <c:legendPos val="b"/>
-      <c:layout/>
       <c:overlay val="0"/>
       <c:spPr>
         <a:noFill/>
@@ -23627,7 +23623,7 @@
           <a:p>
             <a:fld id="{39509BE0-A418-427F-AF71-B75274FB1E24}" type="datetimeFigureOut">
               <a:rPr lang="en-US" smtClean="0"/>
-              <a:t>5/27/2016</a:t>
+              <a:t>5/30/2016</a:t>
             </a:fld>
             <a:endParaRPr lang="en-US"/>
           </a:p>
@@ -25092,7 +25088,7 @@
           <a:p>
             <a:fld id="{50DCC9CC-1F1A-4A81-B76F-203BF01F5197}" type="datetime1">
               <a:rPr lang="en-US" smtClean="0"/>
-              <a:t>5/27/2016</a:t>
+              <a:t>5/30/2016</a:t>
             </a:fld>
             <a:endParaRPr lang="en-US"/>
           </a:p>
@@ -25367,7 +25363,7 @@
           <a:p>
             <a:fld id="{7CFA85EE-4A52-4691-B87C-ECDEB21DEF95}" type="datetime1">
               <a:rPr lang="en-US" smtClean="0"/>
-              <a:t>5/27/2016</a:t>
+              <a:t>5/30/2016</a:t>
             </a:fld>
             <a:endParaRPr lang="en-US"/>
           </a:p>
@@ -25561,7 +25557,7 @@
           <a:p>
             <a:fld id="{3195B224-9351-4199-98F9-1FEBC7F90D73}" type="datetime1">
               <a:rPr lang="en-US" smtClean="0"/>
-              <a:t>5/27/2016</a:t>
+              <a:t>5/30/2016</a:t>
             </a:fld>
             <a:endParaRPr lang="en-US"/>
           </a:p>
@@ -25834,7 +25830,7 @@
           <a:p>
             <a:fld id="{1A6C339C-A818-4BDD-80D5-9DED5F276D09}" type="datetime1">
               <a:rPr lang="en-US" smtClean="0"/>
-              <a:t>5/27/2016</a:t>
+              <a:t>5/30/2016</a:t>
             </a:fld>
             <a:endParaRPr lang="en-US"/>
           </a:p>
@@ -26175,7 +26171,7 @@
           <a:p>
             <a:fld id="{D347AF81-3915-49CC-859C-568386E89965}" type="datetime1">
               <a:rPr lang="en-US" smtClean="0"/>
-              <a:t>5/27/2016</a:t>
+              <a:t>5/30/2016</a:t>
             </a:fld>
             <a:endParaRPr lang="en-US"/>
           </a:p>
@@ -26798,7 +26794,7 @@
           <a:p>
             <a:fld id="{7FFEF65F-86DF-4C4A-898F-043521815BCD}" type="datetime1">
               <a:rPr lang="en-US" smtClean="0"/>
-              <a:t>5/27/2016</a:t>
+              <a:t>5/30/2016</a:t>
             </a:fld>
             <a:endParaRPr lang="en-US"/>
           </a:p>
@@ -27658,7 +27654,7 @@
           <a:p>
             <a:fld id="{DC5322E3-B90B-4BAF-A60D-EE27C94B3E16}" type="datetime1">
               <a:rPr lang="en-US" smtClean="0"/>
-              <a:t>5/27/2016</a:t>
+              <a:t>5/30/2016</a:t>
             </a:fld>
             <a:endParaRPr lang="en-US"/>
           </a:p>
@@ -27828,7 +27824,7 @@
           <a:p>
             <a:fld id="{9FF2AEFC-3D39-4A5C-B81A-E9A8BC13F3FE}" type="datetime1">
               <a:rPr lang="en-US" smtClean="0"/>
-              <a:t>5/27/2016</a:t>
+              <a:t>5/30/2016</a:t>
             </a:fld>
             <a:endParaRPr lang="en-US"/>
           </a:p>
@@ -28008,7 +28004,7 @@
           <a:p>
             <a:fld id="{CB2C6525-039C-49F9-9400-9D29D66B8F64}" type="datetime1">
               <a:rPr lang="en-US" smtClean="0"/>
-              <a:t>5/27/2016</a:t>
+              <a:t>5/30/2016</a:t>
             </a:fld>
             <a:endParaRPr lang="en-US"/>
           </a:p>
@@ -28178,7 +28174,7 @@
           <a:p>
             <a:fld id="{2DF68BBF-F241-4CF1-AB2E-B39665398DB0}" type="datetime1">
               <a:rPr lang="en-US" smtClean="0"/>
-              <a:t>5/27/2016</a:t>
+              <a:t>5/30/2016</a:t>
             </a:fld>
             <a:endParaRPr lang="en-US"/>
           </a:p>
@@ -28425,7 +28421,7 @@
           <a:p>
             <a:fld id="{8A7ADA6C-E110-4B20-8D6C-60C576D1D79C}" type="datetime1">
               <a:rPr lang="en-US" smtClean="0"/>
-              <a:t>5/27/2016</a:t>
+              <a:t>5/30/2016</a:t>
             </a:fld>
             <a:endParaRPr lang="en-US"/>
           </a:p>
@@ -28717,7 +28713,7 @@
           <a:p>
             <a:fld id="{8BD5F39F-26E3-4EC9-BA99-14EC55B33568}" type="datetime1">
               <a:rPr lang="en-US" smtClean="0"/>
-              <a:t>5/27/2016</a:t>
+              <a:t>5/30/2016</a:t>
             </a:fld>
             <a:endParaRPr lang="en-US"/>
           </a:p>
@@ -29161,7 +29157,7 @@
           <a:p>
             <a:fld id="{B16507CC-926E-4945-829C-983C41D52767}" type="datetime1">
               <a:rPr lang="en-US" smtClean="0"/>
-              <a:t>5/27/2016</a:t>
+              <a:t>5/30/2016</a:t>
             </a:fld>
             <a:endParaRPr lang="en-US"/>
           </a:p>
@@ -29279,7 +29275,7 @@
           <a:p>
             <a:fld id="{7289CEC2-BE3F-4794-B729-52646094EFD0}" type="datetime1">
               <a:rPr lang="en-US" smtClean="0"/>
-              <a:t>5/27/2016</a:t>
+              <a:t>5/30/2016</a:t>
             </a:fld>
             <a:endParaRPr lang="en-US"/>
           </a:p>
@@ -29374,7 +29370,7 @@
           <a:p>
             <a:fld id="{84B1B87D-9C49-495F-9B2B-0D582928919C}" type="datetime1">
               <a:rPr lang="en-US" smtClean="0"/>
-              <a:t>5/27/2016</a:t>
+              <a:t>5/30/2016</a:t>
             </a:fld>
             <a:endParaRPr lang="en-US"/>
           </a:p>
@@ -29653,7 +29649,7 @@
           <a:p>
             <a:fld id="{5610D0E0-FFB1-4BEF-9BC8-B442795F578C}" type="datetime1">
               <a:rPr lang="en-US" smtClean="0"/>
-              <a:t>5/27/2016</a:t>
+              <a:t>5/30/2016</a:t>
             </a:fld>
             <a:endParaRPr lang="en-US"/>
           </a:p>
@@ -29928,7 +29924,7 @@
           <a:p>
             <a:fld id="{91B0C9A9-8E69-4E08-A674-EF784E393FE3}" type="datetime1">
               <a:rPr lang="en-US" smtClean="0"/>
-              <a:t>5/27/2016</a:t>
+              <a:t>5/30/2016</a:t>
             </a:fld>
             <a:endParaRPr lang="en-US"/>
           </a:p>
@@ -30357,7 +30353,7 @@
           <a:p>
             <a:fld id="{15753D6B-29A0-4B6A-991E-4BC81FCC1FAF}" type="datetime1">
               <a:rPr lang="en-US" smtClean="0"/>
-              <a:t>5/27/2016</a:t>
+              <a:t>5/30/2016</a:t>
             </a:fld>
             <a:endParaRPr lang="en-US"/>
           </a:p>
@@ -32698,8 +32694,8 @@
         </p:nvSpPr>
         <p:spPr>
           <a:xfrm>
-            <a:off x="9935111" y="5978307"/>
-            <a:ext cx="1945650" cy="646331"/>
+            <a:off x="9935111" y="5834471"/>
+            <a:ext cx="1945650" cy="923330"/>
           </a:xfrm>
           <a:prstGeom prst="rect">
             <a:avLst/>
@@ -32714,7 +32710,11 @@
           <a:p>
             <a:r>
               <a:rPr lang="de-DE" b="1" dirty="0" smtClean="0"/>
-              <a:t>Fehlerhaftes Dateihandling!</a:t>
+              <a:t>Fokus passt nicht zu Projekt-</a:t>
+            </a:r>
+            <a:r>
+              <a:rPr lang="de-DE" b="1" dirty="0" err="1" smtClean="0"/>
+              <a:t>Scope</a:t>
             </a:r>
             <a:endParaRPr lang="de-DE" b="1" dirty="0"/>
           </a:p>
@@ -33959,14 +33959,10 @@
           <a:lstStyle/>
           <a:p>
             <a:r>
-              <a:rPr lang="en-US" dirty="0" err="1" smtClean="0"/>
-              <a:t>Komponenten</a:t>
+              <a:rPr lang="de-DE" dirty="0" smtClean="0"/>
+              <a:t>Komponenten-Modell</a:t>
             </a:r>
-            <a:r>
-              <a:rPr lang="en-US" dirty="0" smtClean="0"/>
-              <a:t>-Modell</a:t>
-            </a:r>
-            <a:endParaRPr lang="en-US" dirty="0"/>
+            <a:endParaRPr lang="de-DE" dirty="0"/>
           </a:p>
         </p:txBody>
       </p:sp>
@@ -34904,6 +34900,42 @@
           </a:p>
         </p:txBody>
       </p:sp>
+      <p:cxnSp>
+        <p:nvCxnSpPr>
+          <p:cNvPr id="26" name="Gerade Verbindung mit Pfeil 25"/>
+          <p:cNvCxnSpPr>
+            <a:stCxn id="9" idx="1"/>
+            <a:endCxn id="7" idx="4"/>
+          </p:cNvCxnSpPr>
+          <p:nvPr/>
+        </p:nvCxnSpPr>
+        <p:spPr>
+          <a:xfrm flipH="1" flipV="1">
+            <a:off x="1958938" y="5357971"/>
+            <a:ext cx="576255" cy="1946"/>
+          </a:xfrm>
+          <a:prstGeom prst="straightConnector1">
+            <a:avLst/>
+          </a:prstGeom>
+          <a:ln>
+            <a:tailEnd type="triangle"/>
+          </a:ln>
+        </p:spPr>
+        <p:style>
+          <a:lnRef idx="3">
+            <a:schemeClr val="accent4"/>
+          </a:lnRef>
+          <a:fillRef idx="0">
+            <a:schemeClr val="accent4"/>
+          </a:fillRef>
+          <a:effectRef idx="2">
+            <a:schemeClr val="accent4"/>
+          </a:effectRef>
+          <a:fontRef idx="minor">
+            <a:schemeClr val="tx1"/>
+          </a:fontRef>
+        </p:style>
+      </p:cxnSp>
     </p:spTree>
     <p:extLst>
       <p:ext uri="{BB962C8B-B14F-4D97-AF65-F5344CB8AC3E}">
@@ -35877,6 +35909,42 @@
           </a:extLst>
         </p:spPr>
       </p:pic>
+      <p:cxnSp>
+        <p:nvCxnSpPr>
+          <p:cNvPr id="26" name="Gerade Verbindung mit Pfeil 25"/>
+          <p:cNvCxnSpPr>
+            <a:stCxn id="9" idx="1"/>
+            <a:endCxn id="7" idx="4"/>
+          </p:cNvCxnSpPr>
+          <p:nvPr/>
+        </p:nvCxnSpPr>
+        <p:spPr>
+          <a:xfrm flipH="1" flipV="1">
+            <a:off x="1958938" y="5357971"/>
+            <a:ext cx="576255" cy="1946"/>
+          </a:xfrm>
+          <a:prstGeom prst="straightConnector1">
+            <a:avLst/>
+          </a:prstGeom>
+          <a:ln>
+            <a:tailEnd type="triangle"/>
+          </a:ln>
+        </p:spPr>
+        <p:style>
+          <a:lnRef idx="3">
+            <a:schemeClr val="accent4"/>
+          </a:lnRef>
+          <a:fillRef idx="0">
+            <a:schemeClr val="accent4"/>
+          </a:fillRef>
+          <a:effectRef idx="2">
+            <a:schemeClr val="accent4"/>
+          </a:effectRef>
+          <a:fontRef idx="minor">
+            <a:schemeClr val="tx1"/>
+          </a:fontRef>
+        </p:style>
+      </p:cxnSp>
     </p:spTree>
     <p:extLst>
       <p:ext uri="{BB962C8B-B14F-4D97-AF65-F5344CB8AC3E}">
